--- a/Proyecto Individual Victoria Rios.pptx
+++ b/Proyecto Individual Victoria Rios.pptx
@@ -16,8 +16,8 @@
     <p:sldId id="259" r:id="rId10"/>
     <p:sldId id="281" r:id="rId11"/>
     <p:sldId id="271" r:id="rId12"/>
-    <p:sldId id="262" r:id="rId13"/>
-    <p:sldId id="290" r:id="rId14"/>
+    <p:sldId id="290" r:id="rId13"/>
+    <p:sldId id="262" r:id="rId14"/>
     <p:sldId id="288" r:id="rId15"/>
     <p:sldId id="275" r:id="rId16"/>
     <p:sldId id="261" r:id="rId17"/>
@@ -634,7 +634,7 @@
           <a:p>
             <a:fld id="{E1FFCA88-264C-4306-AA3F-EF198D41D6D5}" type="datetimeFigureOut">
               <a:rPr lang="es-CO" smtClean="0"/>
-              <a:t>25/04/2023</a:t>
+              <a:t>26/04/2023</a:t>
             </a:fld>
             <a:endParaRPr lang="es-CO"/>
           </a:p>
@@ -681,7 +681,7 @@
           <a:p>
             <a:fld id="{E736F2B5-31B7-4DE5-B3E8-D7CF73C90C65}" type="slidenum">
               <a:rPr lang="es-CO" smtClean="0"/>
-              <a:t>‹Nº›</a:t>
+              <a:t>‹#›</a:t>
             </a:fld>
             <a:endParaRPr lang="es-CO"/>
           </a:p>
@@ -930,7 +930,7 @@
           <a:p>
             <a:fld id="{E1FFCA88-264C-4306-AA3F-EF198D41D6D5}" type="datetimeFigureOut">
               <a:rPr lang="es-CO" smtClean="0"/>
-              <a:t>25/04/2023</a:t>
+              <a:t>26/04/2023</a:t>
             </a:fld>
             <a:endParaRPr lang="es-CO"/>
           </a:p>
@@ -972,7 +972,7 @@
           <a:p>
             <a:fld id="{E736F2B5-31B7-4DE5-B3E8-D7CF73C90C65}" type="slidenum">
               <a:rPr lang="es-CO" smtClean="0"/>
-              <a:t>‹Nº›</a:t>
+              <a:t>‹#›</a:t>
             </a:fld>
             <a:endParaRPr lang="es-CO"/>
           </a:p>
@@ -1178,7 +1178,7 @@
           <a:p>
             <a:fld id="{E1FFCA88-264C-4306-AA3F-EF198D41D6D5}" type="datetimeFigureOut">
               <a:rPr lang="es-CO" smtClean="0"/>
-              <a:t>25/04/2023</a:t>
+              <a:t>26/04/2023</a:t>
             </a:fld>
             <a:endParaRPr lang="es-CO"/>
           </a:p>
@@ -1220,7 +1220,7 @@
           <a:p>
             <a:fld id="{E736F2B5-31B7-4DE5-B3E8-D7CF73C90C65}" type="slidenum">
               <a:rPr lang="es-CO" smtClean="0"/>
-              <a:t>‹Nº›</a:t>
+              <a:t>‹#›</a:t>
             </a:fld>
             <a:endParaRPr lang="es-CO"/>
           </a:p>
@@ -1718,7 +1718,7 @@
           <a:p>
             <a:fld id="{E1FFCA88-264C-4306-AA3F-EF198D41D6D5}" type="datetimeFigureOut">
               <a:rPr lang="es-CO" smtClean="0"/>
-              <a:t>25/04/2023</a:t>
+              <a:t>26/04/2023</a:t>
             </a:fld>
             <a:endParaRPr lang="es-CO"/>
           </a:p>
@@ -1760,7 +1760,7 @@
           <a:p>
             <a:fld id="{E736F2B5-31B7-4DE5-B3E8-D7CF73C90C65}" type="slidenum">
               <a:rPr lang="es-CO" smtClean="0"/>
-              <a:t>‹Nº›</a:t>
+              <a:t>‹#›</a:t>
             </a:fld>
             <a:endParaRPr lang="es-CO"/>
           </a:p>
@@ -1966,7 +1966,7 @@
           <a:p>
             <a:fld id="{E1FFCA88-264C-4306-AA3F-EF198D41D6D5}" type="datetimeFigureOut">
               <a:rPr lang="es-CO" smtClean="0"/>
-              <a:t>25/04/2023</a:t>
+              <a:t>26/04/2023</a:t>
             </a:fld>
             <a:endParaRPr lang="es-CO"/>
           </a:p>
@@ -2008,7 +2008,7 @@
           <a:p>
             <a:fld id="{E736F2B5-31B7-4DE5-B3E8-D7CF73C90C65}" type="slidenum">
               <a:rPr lang="es-CO" smtClean="0"/>
-              <a:t>‹Nº›</a:t>
+              <a:t>‹#›</a:t>
             </a:fld>
             <a:endParaRPr lang="es-CO"/>
           </a:p>
@@ -2498,7 +2498,7 @@
           <a:p>
             <a:fld id="{E1FFCA88-264C-4306-AA3F-EF198D41D6D5}" type="datetimeFigureOut">
               <a:rPr lang="es-CO" smtClean="0"/>
-              <a:t>25/04/2023</a:t>
+              <a:t>26/04/2023</a:t>
             </a:fld>
             <a:endParaRPr lang="es-CO"/>
           </a:p>
@@ -2540,7 +2540,7 @@
           <a:p>
             <a:fld id="{E736F2B5-31B7-4DE5-B3E8-D7CF73C90C65}" type="slidenum">
               <a:rPr lang="es-CO" smtClean="0"/>
-              <a:t>‹Nº›</a:t>
+              <a:t>‹#›</a:t>
             </a:fld>
             <a:endParaRPr lang="es-CO"/>
           </a:p>
@@ -2795,7 +2795,7 @@
           <a:p>
             <a:fld id="{E1FFCA88-264C-4306-AA3F-EF198D41D6D5}" type="datetimeFigureOut">
               <a:rPr lang="es-CO" smtClean="0"/>
-              <a:t>25/04/2023</a:t>
+              <a:t>26/04/2023</a:t>
             </a:fld>
             <a:endParaRPr lang="es-CO"/>
           </a:p>
@@ -2837,7 +2837,7 @@
           <a:p>
             <a:fld id="{E736F2B5-31B7-4DE5-B3E8-D7CF73C90C65}" type="slidenum">
               <a:rPr lang="es-CO" smtClean="0"/>
-              <a:t>‹Nº›</a:t>
+              <a:t>‹#›</a:t>
             </a:fld>
             <a:endParaRPr lang="es-CO"/>
           </a:p>
@@ -2969,7 +2969,7 @@
           <a:p>
             <a:fld id="{E1FFCA88-264C-4306-AA3F-EF198D41D6D5}" type="datetimeFigureOut">
               <a:rPr lang="es-CO" smtClean="0"/>
-              <a:t>25/04/2023</a:t>
+              <a:t>26/04/2023</a:t>
             </a:fld>
             <a:endParaRPr lang="es-CO"/>
           </a:p>
@@ -3011,7 +3011,7 @@
           <a:p>
             <a:fld id="{E736F2B5-31B7-4DE5-B3E8-D7CF73C90C65}" type="slidenum">
               <a:rPr lang="es-CO" smtClean="0"/>
-              <a:t>‹Nº›</a:t>
+              <a:t>‹#›</a:t>
             </a:fld>
             <a:endParaRPr lang="es-CO"/>
           </a:p>
@@ -3149,7 +3149,7 @@
           <a:p>
             <a:fld id="{E1FFCA88-264C-4306-AA3F-EF198D41D6D5}" type="datetimeFigureOut">
               <a:rPr lang="es-CO" smtClean="0"/>
-              <a:t>25/04/2023</a:t>
+              <a:t>26/04/2023</a:t>
             </a:fld>
             <a:endParaRPr lang="es-CO"/>
           </a:p>
@@ -3191,7 +3191,7 @@
           <a:p>
             <a:fld id="{E736F2B5-31B7-4DE5-B3E8-D7CF73C90C65}" type="slidenum">
               <a:rPr lang="es-CO" smtClean="0"/>
-              <a:t>‹Nº›</a:t>
+              <a:t>‹#›</a:t>
             </a:fld>
             <a:endParaRPr lang="es-CO"/>
           </a:p>
@@ -3319,7 +3319,7 @@
           <a:p>
             <a:fld id="{E1FFCA88-264C-4306-AA3F-EF198D41D6D5}" type="datetimeFigureOut">
               <a:rPr lang="es-CO" smtClean="0"/>
-              <a:t>25/04/2023</a:t>
+              <a:t>26/04/2023</a:t>
             </a:fld>
             <a:endParaRPr lang="es-CO"/>
           </a:p>
@@ -3366,7 +3366,7 @@
           <a:p>
             <a:fld id="{E736F2B5-31B7-4DE5-B3E8-D7CF73C90C65}" type="slidenum">
               <a:rPr lang="es-CO" smtClean="0"/>
-              <a:t>‹Nº›</a:t>
+              <a:t>‹#›</a:t>
             </a:fld>
             <a:endParaRPr lang="es-CO"/>
           </a:p>
@@ -3570,7 +3570,7 @@
           <a:p>
             <a:fld id="{E1FFCA88-264C-4306-AA3F-EF198D41D6D5}" type="datetimeFigureOut">
               <a:rPr lang="es-CO" smtClean="0"/>
-              <a:t>25/04/2023</a:t>
+              <a:t>26/04/2023</a:t>
             </a:fld>
             <a:endParaRPr lang="es-CO"/>
           </a:p>
@@ -3612,7 +3612,7 @@
           <a:p>
             <a:fld id="{E736F2B5-31B7-4DE5-B3E8-D7CF73C90C65}" type="slidenum">
               <a:rPr lang="es-CO" smtClean="0"/>
-              <a:t>‹Nº›</a:t>
+              <a:t>‹#›</a:t>
             </a:fld>
             <a:endParaRPr lang="es-CO"/>
           </a:p>
@@ -3867,7 +3867,7 @@
           <a:p>
             <a:fld id="{E1FFCA88-264C-4306-AA3F-EF198D41D6D5}" type="datetimeFigureOut">
               <a:rPr lang="es-CO" smtClean="0"/>
-              <a:t>25/04/2023</a:t>
+              <a:t>26/04/2023</a:t>
             </a:fld>
             <a:endParaRPr lang="es-CO"/>
           </a:p>
@@ -3909,7 +3909,7 @@
           <a:p>
             <a:fld id="{E736F2B5-31B7-4DE5-B3E8-D7CF73C90C65}" type="slidenum">
               <a:rPr lang="es-CO" smtClean="0"/>
-              <a:t>‹Nº›</a:t>
+              <a:t>‹#›</a:t>
             </a:fld>
             <a:endParaRPr lang="es-CO"/>
           </a:p>
@@ -4309,7 +4309,7 @@
           <a:p>
             <a:fld id="{E1FFCA88-264C-4306-AA3F-EF198D41D6D5}" type="datetimeFigureOut">
               <a:rPr lang="es-CO" smtClean="0"/>
-              <a:t>25/04/2023</a:t>
+              <a:t>26/04/2023</a:t>
             </a:fld>
             <a:endParaRPr lang="es-CO"/>
           </a:p>
@@ -4351,7 +4351,7 @@
           <a:p>
             <a:fld id="{E736F2B5-31B7-4DE5-B3E8-D7CF73C90C65}" type="slidenum">
               <a:rPr lang="es-CO" smtClean="0"/>
-              <a:t>‹Nº›</a:t>
+              <a:t>‹#›</a:t>
             </a:fld>
             <a:endParaRPr lang="es-CO"/>
           </a:p>
@@ -4427,7 +4427,7 @@
           <a:p>
             <a:fld id="{E1FFCA88-264C-4306-AA3F-EF198D41D6D5}" type="datetimeFigureOut">
               <a:rPr lang="es-CO" smtClean="0"/>
-              <a:t>25/04/2023</a:t>
+              <a:t>26/04/2023</a:t>
             </a:fld>
             <a:endParaRPr lang="es-CO"/>
           </a:p>
@@ -4469,7 +4469,7 @@
           <a:p>
             <a:fld id="{E736F2B5-31B7-4DE5-B3E8-D7CF73C90C65}" type="slidenum">
               <a:rPr lang="es-CO" smtClean="0"/>
-              <a:t>‹Nº›</a:t>
+              <a:t>‹#›</a:t>
             </a:fld>
             <a:endParaRPr lang="es-CO"/>
           </a:p>
@@ -4522,7 +4522,7 @@
           <a:p>
             <a:fld id="{E1FFCA88-264C-4306-AA3F-EF198D41D6D5}" type="datetimeFigureOut">
               <a:rPr lang="es-CO" smtClean="0"/>
-              <a:t>25/04/2023</a:t>
+              <a:t>26/04/2023</a:t>
             </a:fld>
             <a:endParaRPr lang="es-CO"/>
           </a:p>
@@ -4564,7 +4564,7 @@
           <a:p>
             <a:fld id="{E736F2B5-31B7-4DE5-B3E8-D7CF73C90C65}" type="slidenum">
               <a:rPr lang="es-CO" smtClean="0"/>
-              <a:t>‹Nº›</a:t>
+              <a:t>‹#›</a:t>
             </a:fld>
             <a:endParaRPr lang="es-CO"/>
           </a:p>
@@ -4805,7 +4805,7 @@
           <a:p>
             <a:fld id="{E1FFCA88-264C-4306-AA3F-EF198D41D6D5}" type="datetimeFigureOut">
               <a:rPr lang="es-CO" smtClean="0"/>
-              <a:t>25/04/2023</a:t>
+              <a:t>26/04/2023</a:t>
             </a:fld>
             <a:endParaRPr lang="es-CO"/>
           </a:p>
@@ -4847,7 +4847,7 @@
           <a:p>
             <a:fld id="{E736F2B5-31B7-4DE5-B3E8-D7CF73C90C65}" type="slidenum">
               <a:rPr lang="es-CO" smtClean="0"/>
-              <a:t>‹Nº›</a:t>
+              <a:t>‹#›</a:t>
             </a:fld>
             <a:endParaRPr lang="es-CO"/>
           </a:p>
@@ -5096,7 +5096,7 @@
           <a:p>
             <a:fld id="{E1FFCA88-264C-4306-AA3F-EF198D41D6D5}" type="datetimeFigureOut">
               <a:rPr lang="es-CO" smtClean="0"/>
-              <a:t>25/04/2023</a:t>
+              <a:t>26/04/2023</a:t>
             </a:fld>
             <a:endParaRPr lang="es-CO"/>
           </a:p>
@@ -5138,7 +5138,7 @@
           <a:p>
             <a:fld id="{E736F2B5-31B7-4DE5-B3E8-D7CF73C90C65}" type="slidenum">
               <a:rPr lang="es-CO" smtClean="0"/>
-              <a:t>‹Nº›</a:t>
+              <a:t>‹#›</a:t>
             </a:fld>
             <a:endParaRPr lang="es-CO"/>
           </a:p>
@@ -5626,7 +5626,7 @@
           <a:p>
             <a:fld id="{E1FFCA88-264C-4306-AA3F-EF198D41D6D5}" type="datetimeFigureOut">
               <a:rPr lang="es-CO" smtClean="0"/>
-              <a:t>25/04/2023</a:t>
+              <a:t>26/04/2023</a:t>
             </a:fld>
             <a:endParaRPr lang="es-CO"/>
           </a:p>
@@ -5704,7 +5704,7 @@
           <a:p>
             <a:fld id="{E736F2B5-31B7-4DE5-B3E8-D7CF73C90C65}" type="slidenum">
               <a:rPr lang="es-CO" smtClean="0"/>
-              <a:t>‹Nº›</a:t>
+              <a:t>‹#›</a:t>
             </a:fld>
             <a:endParaRPr lang="es-CO"/>
           </a:p>
@@ -6493,7 +6493,12 @@
             <p:ph type="title"/>
           </p:nvPr>
         </p:nvSpPr>
-        <p:spPr/>
+        <p:spPr>
+          <a:xfrm>
+            <a:off x="1475319" y="424172"/>
+            <a:ext cx="7580176" cy="1752599"/>
+          </a:xfrm>
+        </p:spPr>
         <p:txBody>
           <a:bodyPr/>
           <a:lstStyle/>
@@ -7119,6 +7124,35 @@
           </a:p>
         </p:txBody>
       </p:sp>
+      <p:pic>
+        <p:nvPicPr>
+          <p:cNvPr id="7" name="Picture 6">
+            <a:extLst>
+              <a:ext uri="{FF2B5EF4-FFF2-40B4-BE49-F238E27FC236}">
+                <a16:creationId xmlns:a16="http://schemas.microsoft.com/office/drawing/2014/main" id="{450383F7-BA23-0981-2684-66F7F5C00D88}"/>
+              </a:ext>
+            </a:extLst>
+          </p:cNvPr>
+          <p:cNvPicPr>
+            <a:picLocks noChangeAspect="1"/>
+          </p:cNvPicPr>
+          <p:nvPr/>
+        </p:nvPicPr>
+        <p:blipFill rotWithShape="1">
+          <a:blip r:embed="rId2"/>
+          <a:srcRect l="16739" t="21629" r="69674" b="54205"/>
+          <a:stretch/>
+        </p:blipFill>
+        <p:spPr>
+          <a:xfrm>
+            <a:off x="9055495" y="312374"/>
+            <a:ext cx="2354627" cy="2354626"/>
+          </a:xfrm>
+          <a:prstGeom prst="rect">
+            <a:avLst/>
+          </a:prstGeom>
+        </p:spPr>
+      </p:pic>
     </p:spTree>
     <p:extLst>
       <p:ext uri="{BB962C8B-B14F-4D97-AF65-F5344CB8AC3E}">
@@ -7166,6 +7200,505 @@
           <p:cNvPr id="2" name="Título 1">
             <a:extLst>
               <a:ext uri="{FF2B5EF4-FFF2-40B4-BE49-F238E27FC236}">
+                <a16:creationId xmlns:a16="http://schemas.microsoft.com/office/drawing/2014/main" id="{B4E4FE3A-AE6C-2F77-DBA7-CB133C2C6E9D}"/>
+              </a:ext>
+            </a:extLst>
+          </p:cNvPr>
+          <p:cNvSpPr>
+            <a:spLocks noGrp="1"/>
+          </p:cNvSpPr>
+          <p:nvPr>
+            <p:ph type="title"/>
+          </p:nvPr>
+        </p:nvSpPr>
+        <p:spPr>
+          <a:xfrm>
+            <a:off x="1484312" y="685800"/>
+            <a:ext cx="6453740" cy="1779104"/>
+          </a:xfrm>
+        </p:spPr>
+        <p:txBody>
+          <a:bodyPr>
+            <a:normAutofit fontScale="90000"/>
+          </a:bodyPr>
+          <a:lstStyle/>
+          <a:p>
+            <a:r>
+              <a:rPr lang="es-MX" dirty="0">
+                <a:latin typeface="Arial" panose="020B0604020202020204" pitchFamily="34" charset="0"/>
+                <a:cs typeface="Arial" panose="020B0604020202020204" pitchFamily="34" charset="0"/>
+              </a:rPr>
+              <a:t>3. Incremento de uso de internet para nuevos fines (IUIN)</a:t>
+            </a:r>
+            <a:br>
+              <a:rPr lang="es-MX" dirty="0"/>
+            </a:br>
+            <a:endParaRPr lang="es-CO" dirty="0"/>
+          </a:p>
+        </p:txBody>
+      </p:sp>
+      <p:sp>
+        <p:nvSpPr>
+          <p:cNvPr id="3" name="Marcador de texto 2">
+            <a:extLst>
+              <a:ext uri="{FF2B5EF4-FFF2-40B4-BE49-F238E27FC236}">
+                <a16:creationId xmlns:a16="http://schemas.microsoft.com/office/drawing/2014/main" id="{D16E677A-6009-0973-554C-5F8E96E79966}"/>
+              </a:ext>
+            </a:extLst>
+          </p:cNvPr>
+          <p:cNvSpPr>
+            <a:spLocks noGrp="1"/>
+          </p:cNvSpPr>
+          <p:nvPr>
+            <p:ph type="body" idx="1"/>
+          </p:nvPr>
+        </p:nvSpPr>
+        <p:spPr/>
+        <p:txBody>
+          <a:bodyPr/>
+          <a:lstStyle/>
+          <a:p>
+            <a:r>
+              <a:rPr lang="es-MX" dirty="0"/>
+              <a:t>Características</a:t>
+            </a:r>
+            <a:endParaRPr lang="es-CO" dirty="0"/>
+          </a:p>
+        </p:txBody>
+      </p:sp>
+      <p:sp>
+        <p:nvSpPr>
+          <p:cNvPr id="4" name="Marcador de contenido 3">
+            <a:extLst>
+              <a:ext uri="{FF2B5EF4-FFF2-40B4-BE49-F238E27FC236}">
+                <a16:creationId xmlns:a16="http://schemas.microsoft.com/office/drawing/2014/main" id="{7CE04E03-2317-931B-B892-F991182D3C59}"/>
+              </a:ext>
+            </a:extLst>
+          </p:cNvPr>
+          <p:cNvSpPr>
+            <a:spLocks noGrp="1"/>
+          </p:cNvSpPr>
+          <p:nvPr>
+            <p:ph sz="half" idx="2"/>
+          </p:nvPr>
+        </p:nvSpPr>
+        <p:spPr/>
+        <p:txBody>
+          <a:bodyPr>
+            <a:normAutofit fontScale="92500" lnSpcReduction="20000"/>
+          </a:bodyPr>
+          <a:lstStyle/>
+          <a:p>
+            <a:r>
+              <a:rPr lang="es-MX" dirty="0"/>
+              <a:t>En este caso, se medirá el aumento del uso del internet así:</a:t>
+            </a:r>
+          </a:p>
+          <a:p>
+            <a:r>
+              <a:rPr lang="es-MX" dirty="0"/>
+              <a:t>Periódica mensual</a:t>
+            </a:r>
+          </a:p>
+          <a:p>
+            <a:r>
+              <a:rPr lang="es-MX" dirty="0"/>
+              <a:t>Usos de internet en regiones que usan poco internet</a:t>
+            </a:r>
+          </a:p>
+          <a:p>
+            <a:pPr lvl="1">
+              <a:buFont typeface="Wingdings" panose="05000000000000000000" pitchFamily="2" charset="2"/>
+              <a:buChar char="§"/>
+            </a:pPr>
+            <a:r>
+              <a:rPr lang="es-MX" dirty="0"/>
+              <a:t>Empleo</a:t>
+            </a:r>
+          </a:p>
+          <a:p>
+            <a:pPr lvl="1">
+              <a:buFont typeface="Wingdings" panose="05000000000000000000" pitchFamily="2" charset="2"/>
+              <a:buChar char="§"/>
+            </a:pPr>
+            <a:r>
+              <a:rPr lang="es-MX" dirty="0"/>
+              <a:t>Capacitación o conocimiento</a:t>
+            </a:r>
+          </a:p>
+          <a:p>
+            <a:pPr lvl="1">
+              <a:buFont typeface="Wingdings" panose="05000000000000000000" pitchFamily="2" charset="2"/>
+              <a:buChar char="§"/>
+            </a:pPr>
+            <a:r>
+              <a:rPr lang="es-MX" dirty="0"/>
+              <a:t>Emprendimientos en hogares</a:t>
+            </a:r>
+            <a:endParaRPr lang="es-CO" dirty="0"/>
+          </a:p>
+        </p:txBody>
+      </p:sp>
+      <p:sp>
+        <p:nvSpPr>
+          <p:cNvPr id="10" name="Marcador de contenido 3">
+            <a:extLst>
+              <a:ext uri="{FF2B5EF4-FFF2-40B4-BE49-F238E27FC236}">
+                <a16:creationId xmlns:a16="http://schemas.microsoft.com/office/drawing/2014/main" id="{BB00FAFF-EFC5-93BC-BD53-3583B1D50702}"/>
+              </a:ext>
+            </a:extLst>
+          </p:cNvPr>
+          <p:cNvSpPr txBox="1">
+            <a:spLocks/>
+          </p:cNvSpPr>
+          <p:nvPr/>
+        </p:nvSpPr>
+        <p:spPr>
+          <a:xfrm>
+            <a:off x="6725545" y="3191671"/>
+            <a:ext cx="4895056" cy="2455862"/>
+          </a:xfrm>
+          <a:prstGeom prst="rect">
+            <a:avLst/>
+          </a:prstGeom>
+        </p:spPr>
+        <p:txBody>
+          <a:bodyPr vert="horz" lIns="91440" tIns="45720" rIns="91440" bIns="45720" rtlCol="0" anchor="t">
+            <a:normAutofit/>
+          </a:bodyPr>
+          <a:lstStyle>
+            <a:lvl1pPr marL="285750" indent="-285750" algn="l" defTabSz="457200" rtl="0" eaLnBrk="1" latinLnBrk="0" hangingPunct="1">
+              <a:spcBef>
+                <a:spcPct val="20000"/>
+              </a:spcBef>
+              <a:spcAft>
+                <a:spcPts val="600"/>
+              </a:spcAft>
+              <a:buClr>
+                <a:schemeClr val="accent1">
+                  <a:lumMod val="75000"/>
+                </a:schemeClr>
+              </a:buClr>
+              <a:buSzPct val="145000"/>
+              <a:buFont typeface="Arial"/>
+              <a:buChar char="•"/>
+              <a:defRPr sz="1800" kern="1200" cap="none">
+                <a:solidFill>
+                  <a:schemeClr val="tx1"/>
+                </a:solidFill>
+                <a:effectLst/>
+                <a:latin typeface="+mn-lt"/>
+                <a:ea typeface="+mn-ea"/>
+                <a:cs typeface="+mn-cs"/>
+              </a:defRPr>
+            </a:lvl1pPr>
+            <a:lvl2pPr marL="742950" indent="-285750" algn="l" defTabSz="457200" rtl="0" eaLnBrk="1" latinLnBrk="0" hangingPunct="1">
+              <a:spcBef>
+                <a:spcPct val="20000"/>
+              </a:spcBef>
+              <a:spcAft>
+                <a:spcPts val="600"/>
+              </a:spcAft>
+              <a:buClr>
+                <a:schemeClr val="accent1">
+                  <a:lumMod val="75000"/>
+                </a:schemeClr>
+              </a:buClr>
+              <a:buSzPct val="145000"/>
+              <a:buFont typeface="Arial"/>
+              <a:buChar char="•"/>
+              <a:defRPr sz="1600" kern="1200" cap="none">
+                <a:solidFill>
+                  <a:schemeClr val="tx1"/>
+                </a:solidFill>
+                <a:effectLst/>
+                <a:latin typeface="+mn-lt"/>
+                <a:ea typeface="+mn-ea"/>
+                <a:cs typeface="+mn-cs"/>
+              </a:defRPr>
+            </a:lvl2pPr>
+            <a:lvl3pPr marL="1200150" indent="-285750" algn="l" defTabSz="457200" rtl="0" eaLnBrk="1" latinLnBrk="0" hangingPunct="1">
+              <a:spcBef>
+                <a:spcPct val="20000"/>
+              </a:spcBef>
+              <a:spcAft>
+                <a:spcPts val="600"/>
+              </a:spcAft>
+              <a:buClr>
+                <a:schemeClr val="accent1">
+                  <a:lumMod val="75000"/>
+                </a:schemeClr>
+              </a:buClr>
+              <a:buSzPct val="145000"/>
+              <a:buFont typeface="Arial"/>
+              <a:buChar char="•"/>
+              <a:defRPr sz="1400" kern="1200" cap="none">
+                <a:solidFill>
+                  <a:schemeClr val="tx1"/>
+                </a:solidFill>
+                <a:effectLst/>
+                <a:latin typeface="+mn-lt"/>
+                <a:ea typeface="+mn-ea"/>
+                <a:cs typeface="+mn-cs"/>
+              </a:defRPr>
+            </a:lvl3pPr>
+            <a:lvl4pPr marL="1543050" indent="-171450" algn="l" defTabSz="457200" rtl="0" eaLnBrk="1" latinLnBrk="0" hangingPunct="1">
+              <a:spcBef>
+                <a:spcPct val="20000"/>
+              </a:spcBef>
+              <a:spcAft>
+                <a:spcPts val="600"/>
+              </a:spcAft>
+              <a:buClr>
+                <a:schemeClr val="accent1">
+                  <a:lumMod val="75000"/>
+                </a:schemeClr>
+              </a:buClr>
+              <a:buSzPct val="145000"/>
+              <a:buFont typeface="Arial"/>
+              <a:buChar char="•"/>
+              <a:defRPr sz="1200" kern="1200" cap="none">
+                <a:solidFill>
+                  <a:schemeClr val="tx1"/>
+                </a:solidFill>
+                <a:effectLst/>
+                <a:latin typeface="+mn-lt"/>
+                <a:ea typeface="+mn-ea"/>
+                <a:cs typeface="+mn-cs"/>
+              </a:defRPr>
+            </a:lvl4pPr>
+            <a:lvl5pPr marL="2000250" indent="-171450" algn="l" defTabSz="457200" rtl="0" eaLnBrk="1" latinLnBrk="0" hangingPunct="1">
+              <a:spcBef>
+                <a:spcPct val="20000"/>
+              </a:spcBef>
+              <a:spcAft>
+                <a:spcPts val="600"/>
+              </a:spcAft>
+              <a:buClr>
+                <a:schemeClr val="accent1">
+                  <a:lumMod val="75000"/>
+                </a:schemeClr>
+              </a:buClr>
+              <a:buSzPct val="145000"/>
+              <a:buFont typeface="Arial"/>
+              <a:buChar char="•"/>
+              <a:defRPr sz="1200" kern="1200" cap="none">
+                <a:solidFill>
+                  <a:schemeClr val="tx1"/>
+                </a:solidFill>
+                <a:effectLst/>
+                <a:latin typeface="+mn-lt"/>
+                <a:ea typeface="+mn-ea"/>
+                <a:cs typeface="+mn-cs"/>
+              </a:defRPr>
+            </a:lvl5pPr>
+            <a:lvl6pPr marL="2514600" indent="-228600" algn="l" defTabSz="457200" rtl="0" eaLnBrk="1" latinLnBrk="0" hangingPunct="1">
+              <a:spcBef>
+                <a:spcPct val="20000"/>
+              </a:spcBef>
+              <a:spcAft>
+                <a:spcPts val="600"/>
+              </a:spcAft>
+              <a:buClr>
+                <a:schemeClr val="accent1">
+                  <a:lumMod val="75000"/>
+                </a:schemeClr>
+              </a:buClr>
+              <a:buSzPct val="145000"/>
+              <a:buFont typeface="Arial"/>
+              <a:buChar char="•"/>
+              <a:defRPr sz="1200" kern="1200" cap="none">
+                <a:solidFill>
+                  <a:schemeClr val="tx1"/>
+                </a:solidFill>
+                <a:effectLst/>
+                <a:latin typeface="+mn-lt"/>
+                <a:ea typeface="+mn-ea"/>
+                <a:cs typeface="+mn-cs"/>
+              </a:defRPr>
+            </a:lvl6pPr>
+            <a:lvl7pPr marL="2971800" indent="-228600" algn="l" defTabSz="457200" rtl="0" eaLnBrk="1" latinLnBrk="0" hangingPunct="1">
+              <a:spcBef>
+                <a:spcPct val="20000"/>
+              </a:spcBef>
+              <a:spcAft>
+                <a:spcPts val="600"/>
+              </a:spcAft>
+              <a:buClr>
+                <a:schemeClr val="accent1">
+                  <a:lumMod val="75000"/>
+                </a:schemeClr>
+              </a:buClr>
+              <a:buSzPct val="145000"/>
+              <a:buFont typeface="Arial"/>
+              <a:buChar char="•"/>
+              <a:defRPr sz="1200" kern="1200" cap="none">
+                <a:solidFill>
+                  <a:schemeClr val="tx1"/>
+                </a:solidFill>
+                <a:effectLst/>
+                <a:latin typeface="+mn-lt"/>
+                <a:ea typeface="+mn-ea"/>
+                <a:cs typeface="+mn-cs"/>
+              </a:defRPr>
+            </a:lvl7pPr>
+            <a:lvl8pPr marL="3429000" indent="-228600" algn="l" defTabSz="457200" rtl="0" eaLnBrk="1" latinLnBrk="0" hangingPunct="1">
+              <a:spcBef>
+                <a:spcPct val="20000"/>
+              </a:spcBef>
+              <a:spcAft>
+                <a:spcPts val="600"/>
+              </a:spcAft>
+              <a:buClr>
+                <a:schemeClr val="accent1">
+                  <a:lumMod val="75000"/>
+                </a:schemeClr>
+              </a:buClr>
+              <a:buSzPct val="145000"/>
+              <a:buFont typeface="Arial"/>
+              <a:buChar char="•"/>
+              <a:defRPr sz="1200" kern="1200" cap="none">
+                <a:solidFill>
+                  <a:schemeClr val="tx1"/>
+                </a:solidFill>
+                <a:effectLst/>
+                <a:latin typeface="+mn-lt"/>
+                <a:ea typeface="+mn-ea"/>
+                <a:cs typeface="+mn-cs"/>
+              </a:defRPr>
+            </a:lvl8pPr>
+            <a:lvl9pPr marL="3886200" indent="-228600" algn="l" defTabSz="457200" rtl="0" eaLnBrk="1" latinLnBrk="0" hangingPunct="1">
+              <a:spcBef>
+                <a:spcPct val="20000"/>
+              </a:spcBef>
+              <a:spcAft>
+                <a:spcPts val="600"/>
+              </a:spcAft>
+              <a:buClr>
+                <a:schemeClr val="accent1">
+                  <a:lumMod val="75000"/>
+                </a:schemeClr>
+              </a:buClr>
+              <a:buSzPct val="145000"/>
+              <a:buFont typeface="Arial"/>
+              <a:buChar char="•"/>
+              <a:defRPr sz="1200" kern="1200" cap="none">
+                <a:solidFill>
+                  <a:schemeClr val="tx1"/>
+                </a:solidFill>
+                <a:effectLst/>
+                <a:latin typeface="+mn-lt"/>
+                <a:ea typeface="+mn-ea"/>
+                <a:cs typeface="+mn-cs"/>
+              </a:defRPr>
+            </a:lvl9pPr>
+          </a:lstStyle>
+          <a:p>
+            <a:r>
+              <a:rPr lang="es-MX" dirty="0"/>
+              <a:t>Se clasifican y suman los usos de hogar, empresarial,  escuelas, ferias de empleo y bibliotecas publicas:</a:t>
+            </a:r>
+          </a:p>
+          <a:p>
+            <a:pPr lvl="1">
+              <a:buFont typeface="Wingdings" panose="05000000000000000000" pitchFamily="2" charset="2"/>
+              <a:buChar char="§"/>
+            </a:pPr>
+            <a:r>
+              <a:rPr lang="es-MX" dirty="0"/>
+              <a:t>Empleo</a:t>
+            </a:r>
+          </a:p>
+          <a:p>
+            <a:pPr lvl="1">
+              <a:buFont typeface="Wingdings" panose="05000000000000000000" pitchFamily="2" charset="2"/>
+              <a:buChar char="§"/>
+            </a:pPr>
+            <a:r>
+              <a:rPr lang="es-MX" dirty="0"/>
+              <a:t>Capacitación o conocimiento</a:t>
+            </a:r>
+          </a:p>
+          <a:p>
+            <a:pPr lvl="1">
+              <a:buFont typeface="Wingdings" panose="05000000000000000000" pitchFamily="2" charset="2"/>
+              <a:buChar char="§"/>
+            </a:pPr>
+            <a:r>
+              <a:rPr lang="es-MX" dirty="0"/>
+              <a:t>Emprendimientos en hogares</a:t>
+            </a:r>
+            <a:endParaRPr lang="es-CO" dirty="0"/>
+          </a:p>
+        </p:txBody>
+      </p:sp>
+      <p:pic>
+        <p:nvPicPr>
+          <p:cNvPr id="6" name="Picture 5">
+            <a:extLst>
+              <a:ext uri="{FF2B5EF4-FFF2-40B4-BE49-F238E27FC236}">
+                <a16:creationId xmlns:a16="http://schemas.microsoft.com/office/drawing/2014/main" id="{D912B906-2E8B-CED7-DF26-42823827CAA1}"/>
+              </a:ext>
+            </a:extLst>
+          </p:cNvPr>
+          <p:cNvPicPr>
+            <a:picLocks noChangeAspect="1"/>
+          </p:cNvPicPr>
+          <p:nvPr/>
+        </p:nvPicPr>
+        <p:blipFill rotWithShape="1">
+          <a:blip r:embed="rId2"/>
+          <a:srcRect l="4687" t="45022" r="85464" b="35548"/>
+          <a:stretch/>
+        </p:blipFill>
+        <p:spPr>
+          <a:xfrm>
+            <a:off x="8443189" y="622656"/>
+            <a:ext cx="1976632" cy="2192379"/>
+          </a:xfrm>
+          <a:prstGeom prst="rect">
+            <a:avLst/>
+          </a:prstGeom>
+        </p:spPr>
+      </p:pic>
+    </p:spTree>
+    <p:extLst>
+      <p:ext uri="{BB962C8B-B14F-4D97-AF65-F5344CB8AC3E}">
+        <p14:creationId xmlns:p14="http://schemas.microsoft.com/office/powerpoint/2010/main" val="4012281741"/>
+      </p:ext>
+    </p:extLst>
+  </p:cSld>
+  <p:clrMapOvr>
+    <a:masterClrMapping/>
+  </p:clrMapOvr>
+  <p:transition spd="slow">
+    <p:randomBar dir="vert"/>
+  </p:transition>
+</p:sld>
+</file>
+
+<file path=ppt/slides/slide13.xml><?xml version="1.0" encoding="utf-8"?>
+<p:sld xmlns:a="http://schemas.openxmlformats.org/drawingml/2006/main" xmlns:r="http://schemas.openxmlformats.org/officeDocument/2006/relationships" xmlns:p="http://schemas.openxmlformats.org/presentationml/2006/main">
+  <p:cSld>
+    <p:spTree>
+      <p:nvGrpSpPr>
+        <p:cNvPr id="1" name=""/>
+        <p:cNvGrpSpPr/>
+        <p:nvPr/>
+      </p:nvGrpSpPr>
+      <p:grpSpPr>
+        <a:xfrm>
+          <a:off x="0" y="0"/>
+          <a:ext cx="0" cy="0"/>
+          <a:chOff x="0" y="0"/>
+          <a:chExt cx="0" cy="0"/>
+        </a:xfrm>
+      </p:grpSpPr>
+      <p:sp>
+        <p:nvSpPr>
+          <p:cNvPr id="2" name="Título 1">
+            <a:extLst>
+              <a:ext uri="{FF2B5EF4-FFF2-40B4-BE49-F238E27FC236}">
                 <a16:creationId xmlns:a16="http://schemas.microsoft.com/office/drawing/2014/main" id="{0C8F90C0-40B6-FFD6-4C53-79C574BE456C}"/>
               </a:ext>
             </a:extLst>
@@ -7177,9 +7710,16 @@
             <p:ph type="title"/>
           </p:nvPr>
         </p:nvSpPr>
-        <p:spPr/>
-        <p:txBody>
-          <a:bodyPr/>
+        <p:spPr>
+          <a:xfrm>
+            <a:off x="1514231" y="440172"/>
+            <a:ext cx="6573011" cy="1752599"/>
+          </a:xfrm>
+        </p:spPr>
+        <p:txBody>
+          <a:bodyPr>
+            <a:normAutofit/>
+          </a:bodyPr>
           <a:lstStyle/>
           <a:p>
             <a:r>
@@ -7187,20 +7727,7 @@
                 <a:latin typeface="Arial" panose="020B0604020202020204" pitchFamily="34" charset="0"/>
                 <a:cs typeface="Arial" panose="020B0604020202020204" pitchFamily="34" charset="0"/>
               </a:rPr>
-              <a:t>4.Incremento educacional en el uso</a:t>
-            </a:r>
-            <a:br>
-              <a:rPr lang="es-MX" dirty="0">
-                <a:latin typeface="Arial" panose="020B0604020202020204" pitchFamily="34" charset="0"/>
-                <a:cs typeface="Arial" panose="020B0604020202020204" pitchFamily="34" charset="0"/>
-              </a:rPr>
-            </a:br>
-            <a:r>
-              <a:rPr lang="es-MX" dirty="0">
-                <a:latin typeface="Arial" panose="020B0604020202020204" pitchFamily="34" charset="0"/>
-                <a:cs typeface="Arial" panose="020B0604020202020204" pitchFamily="34" charset="0"/>
-              </a:rPr>
-              <a:t>del internet</a:t>
+              <a:t>4.Incremento educacional en el uso del internet</a:t>
             </a:r>
             <a:endParaRPr lang="es-CO" dirty="0">
               <a:latin typeface="Arial" panose="020B0604020202020204" pitchFamily="34" charset="0"/>
@@ -7303,8 +7830,8 @@
         </p:nvSpPr>
         <p:spPr>
           <a:xfrm>
-            <a:off x="836614" y="2302982"/>
-            <a:ext cx="5183188" cy="823912"/>
+            <a:off x="1199460" y="2258308"/>
+            <a:ext cx="3761890" cy="823912"/>
           </a:xfrm>
         </p:spPr>
         <p:txBody>
@@ -8051,6 +8578,35 @@
           </a:prstGeom>
         </p:spPr>
       </p:pic>
+      <p:pic>
+        <p:nvPicPr>
+          <p:cNvPr id="12" name="Picture 11">
+            <a:extLst>
+              <a:ext uri="{FF2B5EF4-FFF2-40B4-BE49-F238E27FC236}">
+                <a16:creationId xmlns:a16="http://schemas.microsoft.com/office/drawing/2014/main" id="{145E704A-B564-0BAD-490C-3BAFAB331475}"/>
+              </a:ext>
+            </a:extLst>
+          </p:cNvPr>
+          <p:cNvPicPr>
+            <a:picLocks noChangeAspect="1"/>
+          </p:cNvPicPr>
+          <p:nvPr/>
+        </p:nvPicPr>
+        <p:blipFill rotWithShape="1">
+          <a:blip r:embed="rId3"/>
+          <a:srcRect l="15326" t="44871" r="66753" b="37216"/>
+          <a:stretch/>
+        </p:blipFill>
+        <p:spPr>
+          <a:xfrm>
+            <a:off x="8006058" y="1066801"/>
+            <a:ext cx="3665729" cy="2060093"/>
+          </a:xfrm>
+          <a:prstGeom prst="rect">
+            <a:avLst/>
+          </a:prstGeom>
+        </p:spPr>
+      </p:pic>
     </p:spTree>
     <p:extLst>
       <p:ext uri="{BB962C8B-B14F-4D97-AF65-F5344CB8AC3E}">
@@ -8073,471 +8629,6 @@
       </p:transition>
     </mc:Fallback>
   </mc:AlternateContent>
-</p:sld>
-</file>
-
-<file path=ppt/slides/slide13.xml><?xml version="1.0" encoding="utf-8"?>
-<p:sld xmlns:a="http://schemas.openxmlformats.org/drawingml/2006/main" xmlns:r="http://schemas.openxmlformats.org/officeDocument/2006/relationships" xmlns:p="http://schemas.openxmlformats.org/presentationml/2006/main">
-  <p:cSld>
-    <p:spTree>
-      <p:nvGrpSpPr>
-        <p:cNvPr id="1" name=""/>
-        <p:cNvGrpSpPr/>
-        <p:nvPr/>
-      </p:nvGrpSpPr>
-      <p:grpSpPr>
-        <a:xfrm>
-          <a:off x="0" y="0"/>
-          <a:ext cx="0" cy="0"/>
-          <a:chOff x="0" y="0"/>
-          <a:chExt cx="0" cy="0"/>
-        </a:xfrm>
-      </p:grpSpPr>
-      <p:sp>
-        <p:nvSpPr>
-          <p:cNvPr id="2" name="Título 1">
-            <a:extLst>
-              <a:ext uri="{FF2B5EF4-FFF2-40B4-BE49-F238E27FC236}">
-                <a16:creationId xmlns:a16="http://schemas.microsoft.com/office/drawing/2014/main" id="{B4E4FE3A-AE6C-2F77-DBA7-CB133C2C6E9D}"/>
-              </a:ext>
-            </a:extLst>
-          </p:cNvPr>
-          <p:cNvSpPr>
-            <a:spLocks noGrp="1"/>
-          </p:cNvSpPr>
-          <p:nvPr>
-            <p:ph type="title"/>
-          </p:nvPr>
-        </p:nvSpPr>
-        <p:spPr/>
-        <p:txBody>
-          <a:bodyPr>
-            <a:normAutofit fontScale="90000"/>
-          </a:bodyPr>
-          <a:lstStyle/>
-          <a:p>
-            <a:r>
-              <a:rPr lang="es-MX" dirty="0">
-                <a:latin typeface="Arial" panose="020B0604020202020204" pitchFamily="34" charset="0"/>
-                <a:cs typeface="Arial" panose="020B0604020202020204" pitchFamily="34" charset="0"/>
-              </a:rPr>
-              <a:t>3. Incremento de uso de internet para nuevos fines (IUIN)</a:t>
-            </a:r>
-            <a:br>
-              <a:rPr lang="es-MX" dirty="0"/>
-            </a:br>
-            <a:endParaRPr lang="es-CO" dirty="0"/>
-          </a:p>
-        </p:txBody>
-      </p:sp>
-      <p:sp>
-        <p:nvSpPr>
-          <p:cNvPr id="3" name="Marcador de texto 2">
-            <a:extLst>
-              <a:ext uri="{FF2B5EF4-FFF2-40B4-BE49-F238E27FC236}">
-                <a16:creationId xmlns:a16="http://schemas.microsoft.com/office/drawing/2014/main" id="{D16E677A-6009-0973-554C-5F8E96E79966}"/>
-              </a:ext>
-            </a:extLst>
-          </p:cNvPr>
-          <p:cNvSpPr>
-            <a:spLocks noGrp="1"/>
-          </p:cNvSpPr>
-          <p:nvPr>
-            <p:ph type="body" idx="1"/>
-          </p:nvPr>
-        </p:nvSpPr>
-        <p:spPr/>
-        <p:txBody>
-          <a:bodyPr/>
-          <a:lstStyle/>
-          <a:p>
-            <a:r>
-              <a:rPr lang="es-MX" dirty="0"/>
-              <a:t>Características</a:t>
-            </a:r>
-            <a:endParaRPr lang="es-CO" dirty="0"/>
-          </a:p>
-        </p:txBody>
-      </p:sp>
-      <p:sp>
-        <p:nvSpPr>
-          <p:cNvPr id="4" name="Marcador de contenido 3">
-            <a:extLst>
-              <a:ext uri="{FF2B5EF4-FFF2-40B4-BE49-F238E27FC236}">
-                <a16:creationId xmlns:a16="http://schemas.microsoft.com/office/drawing/2014/main" id="{7CE04E03-2317-931B-B892-F991182D3C59}"/>
-              </a:ext>
-            </a:extLst>
-          </p:cNvPr>
-          <p:cNvSpPr>
-            <a:spLocks noGrp="1"/>
-          </p:cNvSpPr>
-          <p:nvPr>
-            <p:ph sz="half" idx="2"/>
-          </p:nvPr>
-        </p:nvSpPr>
-        <p:spPr/>
-        <p:txBody>
-          <a:bodyPr>
-            <a:normAutofit fontScale="92500" lnSpcReduction="20000"/>
-          </a:bodyPr>
-          <a:lstStyle/>
-          <a:p>
-            <a:r>
-              <a:rPr lang="es-MX" dirty="0"/>
-              <a:t>En este caso, se medirá el aumento del uso del internet así:</a:t>
-            </a:r>
-          </a:p>
-          <a:p>
-            <a:r>
-              <a:rPr lang="es-MX" dirty="0"/>
-              <a:t>Periódica mensual</a:t>
-            </a:r>
-          </a:p>
-          <a:p>
-            <a:r>
-              <a:rPr lang="es-MX" dirty="0"/>
-              <a:t>Usos de internet en regiones que usan poco internet</a:t>
-            </a:r>
-          </a:p>
-          <a:p>
-            <a:pPr lvl="1">
-              <a:buFont typeface="Wingdings" panose="05000000000000000000" pitchFamily="2" charset="2"/>
-              <a:buChar char="§"/>
-            </a:pPr>
-            <a:r>
-              <a:rPr lang="es-MX" dirty="0"/>
-              <a:t>Empleo</a:t>
-            </a:r>
-          </a:p>
-          <a:p>
-            <a:pPr lvl="1">
-              <a:buFont typeface="Wingdings" panose="05000000000000000000" pitchFamily="2" charset="2"/>
-              <a:buChar char="§"/>
-            </a:pPr>
-            <a:r>
-              <a:rPr lang="es-MX" dirty="0"/>
-              <a:t>Capacitación o conocimiento</a:t>
-            </a:r>
-          </a:p>
-          <a:p>
-            <a:pPr lvl="1">
-              <a:buFont typeface="Wingdings" panose="05000000000000000000" pitchFamily="2" charset="2"/>
-              <a:buChar char="§"/>
-            </a:pPr>
-            <a:r>
-              <a:rPr lang="es-MX" dirty="0"/>
-              <a:t>Emprendimientos en hogares</a:t>
-            </a:r>
-            <a:endParaRPr lang="es-CO" dirty="0"/>
-          </a:p>
-        </p:txBody>
-      </p:sp>
-      <p:sp>
-        <p:nvSpPr>
-          <p:cNvPr id="10" name="Marcador de contenido 3">
-            <a:extLst>
-              <a:ext uri="{FF2B5EF4-FFF2-40B4-BE49-F238E27FC236}">
-                <a16:creationId xmlns:a16="http://schemas.microsoft.com/office/drawing/2014/main" id="{BB00FAFF-EFC5-93BC-BD53-3583B1D50702}"/>
-              </a:ext>
-            </a:extLst>
-          </p:cNvPr>
-          <p:cNvSpPr txBox="1">
-            <a:spLocks/>
-          </p:cNvSpPr>
-          <p:nvPr/>
-        </p:nvSpPr>
-        <p:spPr>
-          <a:xfrm>
-            <a:off x="6725545" y="3191671"/>
-            <a:ext cx="4895056" cy="2455862"/>
-          </a:xfrm>
-          <a:prstGeom prst="rect">
-            <a:avLst/>
-          </a:prstGeom>
-        </p:spPr>
-        <p:txBody>
-          <a:bodyPr vert="horz" lIns="91440" tIns="45720" rIns="91440" bIns="45720" rtlCol="0" anchor="t">
-            <a:normAutofit/>
-          </a:bodyPr>
-          <a:lstStyle>
-            <a:lvl1pPr marL="285750" indent="-285750" algn="l" defTabSz="457200" rtl="0" eaLnBrk="1" latinLnBrk="0" hangingPunct="1">
-              <a:spcBef>
-                <a:spcPct val="20000"/>
-              </a:spcBef>
-              <a:spcAft>
-                <a:spcPts val="600"/>
-              </a:spcAft>
-              <a:buClr>
-                <a:schemeClr val="accent1">
-                  <a:lumMod val="75000"/>
-                </a:schemeClr>
-              </a:buClr>
-              <a:buSzPct val="145000"/>
-              <a:buFont typeface="Arial"/>
-              <a:buChar char="•"/>
-              <a:defRPr sz="1800" kern="1200" cap="none">
-                <a:solidFill>
-                  <a:schemeClr val="tx1"/>
-                </a:solidFill>
-                <a:effectLst/>
-                <a:latin typeface="+mn-lt"/>
-                <a:ea typeface="+mn-ea"/>
-                <a:cs typeface="+mn-cs"/>
-              </a:defRPr>
-            </a:lvl1pPr>
-            <a:lvl2pPr marL="742950" indent="-285750" algn="l" defTabSz="457200" rtl="0" eaLnBrk="1" latinLnBrk="0" hangingPunct="1">
-              <a:spcBef>
-                <a:spcPct val="20000"/>
-              </a:spcBef>
-              <a:spcAft>
-                <a:spcPts val="600"/>
-              </a:spcAft>
-              <a:buClr>
-                <a:schemeClr val="accent1">
-                  <a:lumMod val="75000"/>
-                </a:schemeClr>
-              </a:buClr>
-              <a:buSzPct val="145000"/>
-              <a:buFont typeface="Arial"/>
-              <a:buChar char="•"/>
-              <a:defRPr sz="1600" kern="1200" cap="none">
-                <a:solidFill>
-                  <a:schemeClr val="tx1"/>
-                </a:solidFill>
-                <a:effectLst/>
-                <a:latin typeface="+mn-lt"/>
-                <a:ea typeface="+mn-ea"/>
-                <a:cs typeface="+mn-cs"/>
-              </a:defRPr>
-            </a:lvl2pPr>
-            <a:lvl3pPr marL="1200150" indent="-285750" algn="l" defTabSz="457200" rtl="0" eaLnBrk="1" latinLnBrk="0" hangingPunct="1">
-              <a:spcBef>
-                <a:spcPct val="20000"/>
-              </a:spcBef>
-              <a:spcAft>
-                <a:spcPts val="600"/>
-              </a:spcAft>
-              <a:buClr>
-                <a:schemeClr val="accent1">
-                  <a:lumMod val="75000"/>
-                </a:schemeClr>
-              </a:buClr>
-              <a:buSzPct val="145000"/>
-              <a:buFont typeface="Arial"/>
-              <a:buChar char="•"/>
-              <a:defRPr sz="1400" kern="1200" cap="none">
-                <a:solidFill>
-                  <a:schemeClr val="tx1"/>
-                </a:solidFill>
-                <a:effectLst/>
-                <a:latin typeface="+mn-lt"/>
-                <a:ea typeface="+mn-ea"/>
-                <a:cs typeface="+mn-cs"/>
-              </a:defRPr>
-            </a:lvl3pPr>
-            <a:lvl4pPr marL="1543050" indent="-171450" algn="l" defTabSz="457200" rtl="0" eaLnBrk="1" latinLnBrk="0" hangingPunct="1">
-              <a:spcBef>
-                <a:spcPct val="20000"/>
-              </a:spcBef>
-              <a:spcAft>
-                <a:spcPts val="600"/>
-              </a:spcAft>
-              <a:buClr>
-                <a:schemeClr val="accent1">
-                  <a:lumMod val="75000"/>
-                </a:schemeClr>
-              </a:buClr>
-              <a:buSzPct val="145000"/>
-              <a:buFont typeface="Arial"/>
-              <a:buChar char="•"/>
-              <a:defRPr sz="1200" kern="1200" cap="none">
-                <a:solidFill>
-                  <a:schemeClr val="tx1"/>
-                </a:solidFill>
-                <a:effectLst/>
-                <a:latin typeface="+mn-lt"/>
-                <a:ea typeface="+mn-ea"/>
-                <a:cs typeface="+mn-cs"/>
-              </a:defRPr>
-            </a:lvl4pPr>
-            <a:lvl5pPr marL="2000250" indent="-171450" algn="l" defTabSz="457200" rtl="0" eaLnBrk="1" latinLnBrk="0" hangingPunct="1">
-              <a:spcBef>
-                <a:spcPct val="20000"/>
-              </a:spcBef>
-              <a:spcAft>
-                <a:spcPts val="600"/>
-              </a:spcAft>
-              <a:buClr>
-                <a:schemeClr val="accent1">
-                  <a:lumMod val="75000"/>
-                </a:schemeClr>
-              </a:buClr>
-              <a:buSzPct val="145000"/>
-              <a:buFont typeface="Arial"/>
-              <a:buChar char="•"/>
-              <a:defRPr sz="1200" kern="1200" cap="none">
-                <a:solidFill>
-                  <a:schemeClr val="tx1"/>
-                </a:solidFill>
-                <a:effectLst/>
-                <a:latin typeface="+mn-lt"/>
-                <a:ea typeface="+mn-ea"/>
-                <a:cs typeface="+mn-cs"/>
-              </a:defRPr>
-            </a:lvl5pPr>
-            <a:lvl6pPr marL="2514600" indent="-228600" algn="l" defTabSz="457200" rtl="0" eaLnBrk="1" latinLnBrk="0" hangingPunct="1">
-              <a:spcBef>
-                <a:spcPct val="20000"/>
-              </a:spcBef>
-              <a:spcAft>
-                <a:spcPts val="600"/>
-              </a:spcAft>
-              <a:buClr>
-                <a:schemeClr val="accent1">
-                  <a:lumMod val="75000"/>
-                </a:schemeClr>
-              </a:buClr>
-              <a:buSzPct val="145000"/>
-              <a:buFont typeface="Arial"/>
-              <a:buChar char="•"/>
-              <a:defRPr sz="1200" kern="1200" cap="none">
-                <a:solidFill>
-                  <a:schemeClr val="tx1"/>
-                </a:solidFill>
-                <a:effectLst/>
-                <a:latin typeface="+mn-lt"/>
-                <a:ea typeface="+mn-ea"/>
-                <a:cs typeface="+mn-cs"/>
-              </a:defRPr>
-            </a:lvl6pPr>
-            <a:lvl7pPr marL="2971800" indent="-228600" algn="l" defTabSz="457200" rtl="0" eaLnBrk="1" latinLnBrk="0" hangingPunct="1">
-              <a:spcBef>
-                <a:spcPct val="20000"/>
-              </a:spcBef>
-              <a:spcAft>
-                <a:spcPts val="600"/>
-              </a:spcAft>
-              <a:buClr>
-                <a:schemeClr val="accent1">
-                  <a:lumMod val="75000"/>
-                </a:schemeClr>
-              </a:buClr>
-              <a:buSzPct val="145000"/>
-              <a:buFont typeface="Arial"/>
-              <a:buChar char="•"/>
-              <a:defRPr sz="1200" kern="1200" cap="none">
-                <a:solidFill>
-                  <a:schemeClr val="tx1"/>
-                </a:solidFill>
-                <a:effectLst/>
-                <a:latin typeface="+mn-lt"/>
-                <a:ea typeface="+mn-ea"/>
-                <a:cs typeface="+mn-cs"/>
-              </a:defRPr>
-            </a:lvl7pPr>
-            <a:lvl8pPr marL="3429000" indent="-228600" algn="l" defTabSz="457200" rtl="0" eaLnBrk="1" latinLnBrk="0" hangingPunct="1">
-              <a:spcBef>
-                <a:spcPct val="20000"/>
-              </a:spcBef>
-              <a:spcAft>
-                <a:spcPts val="600"/>
-              </a:spcAft>
-              <a:buClr>
-                <a:schemeClr val="accent1">
-                  <a:lumMod val="75000"/>
-                </a:schemeClr>
-              </a:buClr>
-              <a:buSzPct val="145000"/>
-              <a:buFont typeface="Arial"/>
-              <a:buChar char="•"/>
-              <a:defRPr sz="1200" kern="1200" cap="none">
-                <a:solidFill>
-                  <a:schemeClr val="tx1"/>
-                </a:solidFill>
-                <a:effectLst/>
-                <a:latin typeface="+mn-lt"/>
-                <a:ea typeface="+mn-ea"/>
-                <a:cs typeface="+mn-cs"/>
-              </a:defRPr>
-            </a:lvl8pPr>
-            <a:lvl9pPr marL="3886200" indent="-228600" algn="l" defTabSz="457200" rtl="0" eaLnBrk="1" latinLnBrk="0" hangingPunct="1">
-              <a:spcBef>
-                <a:spcPct val="20000"/>
-              </a:spcBef>
-              <a:spcAft>
-                <a:spcPts val="600"/>
-              </a:spcAft>
-              <a:buClr>
-                <a:schemeClr val="accent1">
-                  <a:lumMod val="75000"/>
-                </a:schemeClr>
-              </a:buClr>
-              <a:buSzPct val="145000"/>
-              <a:buFont typeface="Arial"/>
-              <a:buChar char="•"/>
-              <a:defRPr sz="1200" kern="1200" cap="none">
-                <a:solidFill>
-                  <a:schemeClr val="tx1"/>
-                </a:solidFill>
-                <a:effectLst/>
-                <a:latin typeface="+mn-lt"/>
-                <a:ea typeface="+mn-ea"/>
-                <a:cs typeface="+mn-cs"/>
-              </a:defRPr>
-            </a:lvl9pPr>
-          </a:lstStyle>
-          <a:p>
-            <a:r>
-              <a:rPr lang="es-MX" dirty="0"/>
-              <a:t>Se clasifican y suman los usos de hogar, empresarial,  escuelas, ferias de empleo y bibliotecas publicas:</a:t>
-            </a:r>
-          </a:p>
-          <a:p>
-            <a:pPr lvl="1">
-              <a:buFont typeface="Wingdings" panose="05000000000000000000" pitchFamily="2" charset="2"/>
-              <a:buChar char="§"/>
-            </a:pPr>
-            <a:r>
-              <a:rPr lang="es-MX" dirty="0"/>
-              <a:t>Empleo</a:t>
-            </a:r>
-          </a:p>
-          <a:p>
-            <a:pPr lvl="1">
-              <a:buFont typeface="Wingdings" panose="05000000000000000000" pitchFamily="2" charset="2"/>
-              <a:buChar char="§"/>
-            </a:pPr>
-            <a:r>
-              <a:rPr lang="es-MX" dirty="0"/>
-              <a:t>Capacitación o conocimiento</a:t>
-            </a:r>
-          </a:p>
-          <a:p>
-            <a:pPr lvl="1">
-              <a:buFont typeface="Wingdings" panose="05000000000000000000" pitchFamily="2" charset="2"/>
-              <a:buChar char="§"/>
-            </a:pPr>
-            <a:r>
-              <a:rPr lang="es-MX" dirty="0"/>
-              <a:t>Emprendimientos en hogares</a:t>
-            </a:r>
-            <a:endParaRPr lang="es-CO" dirty="0"/>
-          </a:p>
-        </p:txBody>
-      </p:sp>
-    </p:spTree>
-    <p:extLst>
-      <p:ext uri="{BB962C8B-B14F-4D97-AF65-F5344CB8AC3E}">
-        <p14:creationId xmlns:p14="http://schemas.microsoft.com/office/powerpoint/2010/main" val="4012281741"/>
-      </p:ext>
-    </p:extLst>
-  </p:cSld>
-  <p:clrMapOvr>
-    <a:masterClrMapping/>
-  </p:clrMapOvr>
-  <p:transition spd="slow">
-    <p:randomBar dir="vert"/>
-  </p:transition>
 </p:sld>
 </file>
 
@@ -12649,14 +12740,19 @@
             <p:ph type="body" idx="1"/>
           </p:nvPr>
         </p:nvSpPr>
-        <p:spPr/>
+        <p:spPr>
+          <a:xfrm>
+            <a:off x="1772179" y="2226365"/>
+            <a:ext cx="4607188" cy="1008430"/>
+          </a:xfrm>
+        </p:spPr>
         <p:txBody>
           <a:bodyPr/>
           <a:lstStyle/>
           <a:p>
             <a:r>
               <a:rPr lang="es-MX" dirty="0"/>
-              <a:t>% Penetración en Internet</a:t>
+              <a:t>% Penetración en Internet trimestral</a:t>
             </a:r>
             <a:endParaRPr lang="es-CO" dirty="0"/>
           </a:p>
@@ -12681,7 +12777,7 @@
         <p:spPr/>
         <p:txBody>
           <a:bodyPr>
-            <a:normAutofit fontScale="85000" lnSpcReduction="10000"/>
+            <a:normAutofit/>
           </a:bodyPr>
           <a:lstStyle/>
           <a:p>
@@ -12700,117 +12796,41 @@
                 <a:ea typeface="Calibri" panose="020F0502020204030204" pitchFamily="34" charset="0"/>
                 <a:cs typeface="Times New Roman" panose="02020603050405020304" pitchFamily="18" charset="0"/>
               </a:rPr>
-              <a:t>Cómo se calcula el % de penetración en internet en Argentina?</a:t>
-            </a:r>
-          </a:p>
-          <a:p>
-            <a:pPr>
-              <a:lnSpc>
-                <a:spcPct val="107000"/>
-              </a:lnSpc>
-              <a:spcAft>
-                <a:spcPts val="800"/>
-              </a:spcAft>
-            </a:pPr>
-            <a:r>
-              <a:rPr lang="es-CO" sz="1800" dirty="0">
-                <a:effectLst/>
-                <a:latin typeface="Arial" panose="020B0604020202020204" pitchFamily="34" charset="0"/>
-                <a:ea typeface="Calibri" panose="020F0502020204030204" pitchFamily="34" charset="0"/>
-                <a:cs typeface="Times New Roman" panose="02020603050405020304" pitchFamily="18" charset="0"/>
-              </a:rPr>
-              <a:t>El porcentaje de penetración de internet en Argentina se calcula dividiendo el número de usuarios de internet por la población total del país, y luego multiplicando por 100 para expresarlo como un porcentaje.</a:t>
-            </a:r>
-            <a:r>
-              <a:rPr lang="es-CO" sz="1800" dirty="0"/>
-              <a:t> El número de usuarios de internet se obtuvo de Instituto Nacional de Estadísticas y Censos de Argentina INDEC desde enero 2016 a diciembre 2022.</a:t>
-            </a:r>
-            <a:endParaRPr lang="es-CO" sz="1800" dirty="0">
-              <a:effectLst/>
-              <a:latin typeface="Arial" panose="020B0604020202020204" pitchFamily="34" charset="0"/>
-              <a:ea typeface="Calibri" panose="020F0502020204030204" pitchFamily="34" charset="0"/>
-              <a:cs typeface="Times New Roman" panose="02020603050405020304" pitchFamily="18" charset="0"/>
-            </a:endParaRPr>
-          </a:p>
-          <a:p>
+              <a:t>El porcentaje de penetración de internet en Argentina se calcula con respecto a la diferencia de los trimestres del 2022</a:t>
+            </a:r>
             <a:endParaRPr lang="es-CO" dirty="0"/>
           </a:p>
         </p:txBody>
       </p:sp>
-      <p:sp>
-        <p:nvSpPr>
-          <p:cNvPr id="5" name="Marcador de texto 4">
+      <p:pic>
+        <p:nvPicPr>
+          <p:cNvPr id="14" name="Imagen 13">
             <a:extLst>
               <a:ext uri="{FF2B5EF4-FFF2-40B4-BE49-F238E27FC236}">
-                <a16:creationId xmlns:a16="http://schemas.microsoft.com/office/drawing/2014/main" id="{C24DEABF-46E6-0084-095D-66B8E78D5613}"/>
+                <a16:creationId xmlns:a16="http://schemas.microsoft.com/office/drawing/2014/main" id="{879BC04B-A776-6FB8-814A-9CD65CB40C7F}"/>
               </a:ext>
             </a:extLst>
           </p:cNvPr>
-          <p:cNvSpPr>
-            <a:spLocks noGrp="1"/>
-          </p:cNvSpPr>
-          <p:nvPr>
-            <p:ph type="body" sz="quarter" idx="3"/>
-          </p:nvPr>
-        </p:nvSpPr>
-        <p:spPr/>
-        <p:txBody>
-          <a:bodyPr/>
-          <a:lstStyle/>
-          <a:p>
-            <a:r>
-              <a:rPr lang="es-MX" dirty="0"/>
-              <a:t>4 </a:t>
-            </a:r>
-            <a:r>
-              <a:rPr lang="es-MX" dirty="0" err="1"/>
-              <a:t>to</a:t>
-            </a:r>
-            <a:r>
-              <a:rPr lang="es-MX" dirty="0"/>
-              <a:t> Trimestre 2022</a:t>
-            </a:r>
-            <a:endParaRPr lang="es-CO" dirty="0"/>
-          </a:p>
-        </p:txBody>
-      </p:sp>
-      <p:sp>
-        <p:nvSpPr>
-          <p:cNvPr id="6" name="Marcador de contenido 5">
-            <a:extLst>
-              <a:ext uri="{FF2B5EF4-FFF2-40B4-BE49-F238E27FC236}">
-                <a16:creationId xmlns:a16="http://schemas.microsoft.com/office/drawing/2014/main" id="{A99F7CE5-18A7-EE42-E692-792EE922521E}"/>
-              </a:ext>
-            </a:extLst>
-          </p:cNvPr>
-          <p:cNvSpPr>
-            <a:spLocks noGrp="1"/>
-          </p:cNvSpPr>
-          <p:nvPr>
-            <p:ph sz="quarter" idx="4"/>
-          </p:nvPr>
-        </p:nvSpPr>
-        <p:spPr/>
-        <p:txBody>
-          <a:bodyPr>
-            <a:normAutofit fontScale="85000" lnSpcReduction="10000"/>
-          </a:bodyPr>
-          <a:lstStyle/>
-          <a:p>
-            <a:r>
-              <a:rPr lang="es-CO" b="0" i="0" dirty="0">
-                <a:solidFill>
-                  <a:srgbClr val="2A2A2A"/>
-                </a:solidFill>
-                <a:effectLst/>
-                <a:latin typeface="Arial" panose="020B0604020202020204" pitchFamily="34" charset="0"/>
-              </a:rPr>
-              <a:t>En el cuarto trimestre de 2022 se registraron, en promedio, 7.946.140 accesos a internet fijos. Esto significó un aumento de 1,3% respecto al cuarto trimestre de 2021. Por otro lado, los accesos fijos residenciales crecieron 1,8%, lo que suma un total de 7.549.702; y los accesos fijos de organizaciones totalizaron 396.438, con una caída de 5,8%.</a:t>
-            </a:r>
-            <a:endParaRPr lang="es-CO" dirty="0"/>
-          </a:p>
-        </p:txBody>
-      </p:sp>
+          <p:cNvPicPr>
+            <a:picLocks noChangeAspect="1"/>
+          </p:cNvPicPr>
+          <p:nvPr/>
+        </p:nvPicPr>
+        <p:blipFill rotWithShape="1">
+          <a:blip r:embed="rId2"/>
+          <a:srcRect l="7174" t="21049" r="83478" b="62325"/>
+          <a:stretch/>
+        </p:blipFill>
+        <p:spPr>
+          <a:xfrm>
+            <a:off x="8693424" y="2438399"/>
+            <a:ext cx="1726397" cy="1726397"/>
+          </a:xfrm>
+          <a:prstGeom prst="rect">
+            <a:avLst/>
+          </a:prstGeom>
+        </p:spPr>
+      </p:pic>
     </p:spTree>
     <p:extLst>
       <p:ext uri="{BB962C8B-B14F-4D97-AF65-F5344CB8AC3E}">
